--- a/Plan_powerpoint/first_presentation.pptx
+++ b/Plan_powerpoint/first_presentation.pptx
@@ -3658,6 +3658,14 @@
 <file path=ppt/slides/slide4.xml><?xml version="1.0" encoding="utf-8"?>
 <p:sld xmlns:a="http://schemas.openxmlformats.org/drawingml/2006/main" xmlns:r="http://schemas.openxmlformats.org/officeDocument/2006/relationships" xmlns:p="http://schemas.openxmlformats.org/presentationml/2006/main">
   <p:cSld>
+    <p:bg>
+      <p:bgPr>
+        <a:solidFill>
+          <a:schemeClr val="bg1"/>
+        </a:solidFill>
+        <a:effectLst/>
+      </p:bgPr>
+    </p:bg>
     <p:spTree>
       <p:nvGrpSpPr>
         <p:cNvPr id="1" name=""/>
@@ -3672,6 +3680,66 @@
           <a:chExt cx="0" cy="0"/>
         </a:xfrm>
       </p:grpSpPr>
+      <p:sp useBgFill="1">
+        <p:nvSpPr>
+          <p:cNvPr id="8" name="Rectangle 7">
+            <a:extLst>
+              <a:ext uri="{FF2B5EF4-FFF2-40B4-BE49-F238E27FC236}">
+                <a16:creationId xmlns:a16="http://schemas.microsoft.com/office/drawing/2014/main" id="{100EDD19-6802-4EC3-95CE-CFFAB042CFD6}"/>
+              </a:ext>
+              <a:ext uri="{C183D7F6-B498-43B3-948B-1728B52AA6E4}">
+                <adec:decorative xmlns:adec="http://schemas.microsoft.com/office/drawing/2017/decorative" val="1"/>
+              </a:ext>
+            </a:extLst>
+          </p:cNvPr>
+          <p:cNvSpPr>
+            <a:spLocks noGrp="1" noRot="1" noChangeAspect="1" noMove="1" noResize="1" noEditPoints="1" noAdjustHandles="1" noChangeArrowheads="1" noChangeShapeType="1" noTextEdit="1"/>
+          </p:cNvSpPr>
+          <p:nvPr>
+            <p:extLst>
+              <p:ext uri="{386F3935-93C4-4BCD-93E2-E3B085C9AB24}">
+                <p16:designElem xmlns:p16="http://schemas.microsoft.com/office/powerpoint/2015/main" val="1"/>
+              </p:ext>
+            </p:extLst>
+          </p:nvPr>
+        </p:nvSpPr>
+        <p:spPr>
+          <a:xfrm>
+            <a:off x="0" y="0"/>
+            <a:ext cx="12188952" cy="6858000"/>
+          </a:xfrm>
+          <a:prstGeom prst="rect">
+            <a:avLst/>
+          </a:prstGeom>
+          <a:ln>
+            <a:noFill/>
+          </a:ln>
+        </p:spPr>
+        <p:style>
+          <a:lnRef idx="2">
+            <a:schemeClr val="accent1">
+              <a:shade val="50000"/>
+            </a:schemeClr>
+          </a:lnRef>
+          <a:fillRef idx="1">
+            <a:schemeClr val="accent1"/>
+          </a:fillRef>
+          <a:effectRef idx="0">
+            <a:schemeClr val="accent1"/>
+          </a:effectRef>
+          <a:fontRef idx="minor">
+            <a:schemeClr val="lt1"/>
+          </a:fontRef>
+        </p:style>
+        <p:txBody>
+          <a:bodyPr rtlCol="0" anchor="ctr"/>
+          <a:lstStyle/>
+          <a:p>
+            <a:pPr algn="ctr"/>
+            <a:endParaRPr lang="en-US"/>
+          </a:p>
+        </p:txBody>
+      </p:sp>
       <p:sp>
         <p:nvSpPr>
           <p:cNvPr id="2" name="Titre 1">
@@ -3688,13 +3756,20 @@
             <p:ph type="title"/>
           </p:nvPr>
         </p:nvSpPr>
-        <p:spPr/>
-        <p:txBody>
-          <a:bodyPr/>
-          <a:lstStyle/>
-          <a:p>
-            <a:r>
-              <a:rPr lang="fr-FR" dirty="0"/>
+        <p:spPr>
+          <a:xfrm>
+            <a:off x="838200" y="365125"/>
+            <a:ext cx="10515600" cy="1325563"/>
+          </a:xfrm>
+        </p:spPr>
+        <p:txBody>
+          <a:bodyPr>
+            <a:normAutofit/>
+          </a:bodyPr>
+          <a:lstStyle/>
+          <a:p>
+            <a:r>
+              <a:rPr lang="fr-FR" sz="5400"/>
               <a:t>Motivation</a:t>
             </a:r>
           </a:p>
@@ -3702,6 +3777,644 @@
       </p:sp>
       <p:sp>
         <p:nvSpPr>
+          <p:cNvPr id="10" name="sketch line">
+            <a:extLst>
+              <a:ext uri="{FF2B5EF4-FFF2-40B4-BE49-F238E27FC236}">
+                <a16:creationId xmlns:a16="http://schemas.microsoft.com/office/drawing/2014/main" id="{DB17E863-922E-4C26-BD64-E8FD41D28661}"/>
+              </a:ext>
+              <a:ext uri="{C183D7F6-B498-43B3-948B-1728B52AA6E4}">
+                <adec:decorative xmlns:adec="http://schemas.microsoft.com/office/drawing/2017/decorative" val="1"/>
+              </a:ext>
+            </a:extLst>
+          </p:cNvPr>
+          <p:cNvSpPr>
+            <a:spLocks noGrp="1" noRot="1" noChangeAspect="1" noMove="1" noResize="1" noEditPoints="1" noAdjustHandles="1" noChangeArrowheads="1" noChangeShapeType="1" noTextEdit="1"/>
+          </p:cNvSpPr>
+          <p:nvPr>
+            <p:extLst>
+              <p:ext uri="{386F3935-93C4-4BCD-93E2-E3B085C9AB24}">
+                <p16:designElem xmlns:p16="http://schemas.microsoft.com/office/powerpoint/2015/main" val="1"/>
+              </p:ext>
+            </p:extLst>
+          </p:nvPr>
+        </p:nvSpPr>
+        <p:spPr>
+          <a:xfrm>
+            <a:off x="669036" y="1677373"/>
+            <a:ext cx="10853928" cy="18288"/>
+          </a:xfrm>
+          <a:custGeom>
+            <a:avLst/>
+            <a:gdLst>
+              <a:gd name="connsiteX0" fmla="*/ 0 w 10853928"/>
+              <a:gd name="connsiteY0" fmla="*/ 0 h 18288"/>
+              <a:gd name="connsiteX1" fmla="*/ 461292 w 10853928"/>
+              <a:gd name="connsiteY1" fmla="*/ 0 h 18288"/>
+              <a:gd name="connsiteX2" fmla="*/ 1139662 w 10853928"/>
+              <a:gd name="connsiteY2" fmla="*/ 0 h 18288"/>
+              <a:gd name="connsiteX3" fmla="*/ 1926572 w 10853928"/>
+              <a:gd name="connsiteY3" fmla="*/ 0 h 18288"/>
+              <a:gd name="connsiteX4" fmla="*/ 2279325 w 10853928"/>
+              <a:gd name="connsiteY4" fmla="*/ 0 h 18288"/>
+              <a:gd name="connsiteX5" fmla="*/ 2632078 w 10853928"/>
+              <a:gd name="connsiteY5" fmla="*/ 0 h 18288"/>
+              <a:gd name="connsiteX6" fmla="*/ 3527527 w 10853928"/>
+              <a:gd name="connsiteY6" fmla="*/ 0 h 18288"/>
+              <a:gd name="connsiteX7" fmla="*/ 4205897 w 10853928"/>
+              <a:gd name="connsiteY7" fmla="*/ 0 h 18288"/>
+              <a:gd name="connsiteX8" fmla="*/ 4558650 w 10853928"/>
+              <a:gd name="connsiteY8" fmla="*/ 0 h 18288"/>
+              <a:gd name="connsiteX9" fmla="*/ 5237020 w 10853928"/>
+              <a:gd name="connsiteY9" fmla="*/ 0 h 18288"/>
+              <a:gd name="connsiteX10" fmla="*/ 6132469 w 10853928"/>
+              <a:gd name="connsiteY10" fmla="*/ 0 h 18288"/>
+              <a:gd name="connsiteX11" fmla="*/ 6702301 w 10853928"/>
+              <a:gd name="connsiteY11" fmla="*/ 0 h 18288"/>
+              <a:gd name="connsiteX12" fmla="*/ 7272132 w 10853928"/>
+              <a:gd name="connsiteY12" fmla="*/ 0 h 18288"/>
+              <a:gd name="connsiteX13" fmla="*/ 7950502 w 10853928"/>
+              <a:gd name="connsiteY13" fmla="*/ 0 h 18288"/>
+              <a:gd name="connsiteX14" fmla="*/ 8737412 w 10853928"/>
+              <a:gd name="connsiteY14" fmla="*/ 0 h 18288"/>
+              <a:gd name="connsiteX15" fmla="*/ 9524322 w 10853928"/>
+              <a:gd name="connsiteY15" fmla="*/ 0 h 18288"/>
+              <a:gd name="connsiteX16" fmla="*/ 10853928 w 10853928"/>
+              <a:gd name="connsiteY16" fmla="*/ 0 h 18288"/>
+              <a:gd name="connsiteX17" fmla="*/ 10853928 w 10853928"/>
+              <a:gd name="connsiteY17" fmla="*/ 18288 h 18288"/>
+              <a:gd name="connsiteX18" fmla="*/ 10392636 w 10853928"/>
+              <a:gd name="connsiteY18" fmla="*/ 18288 h 18288"/>
+              <a:gd name="connsiteX19" fmla="*/ 9497187 w 10853928"/>
+              <a:gd name="connsiteY19" fmla="*/ 18288 h 18288"/>
+              <a:gd name="connsiteX20" fmla="*/ 8818817 w 10853928"/>
+              <a:gd name="connsiteY20" fmla="*/ 18288 h 18288"/>
+              <a:gd name="connsiteX21" fmla="*/ 8466064 w 10853928"/>
+              <a:gd name="connsiteY21" fmla="*/ 18288 h 18288"/>
+              <a:gd name="connsiteX22" fmla="*/ 7787693 w 10853928"/>
+              <a:gd name="connsiteY22" fmla="*/ 18288 h 18288"/>
+              <a:gd name="connsiteX23" fmla="*/ 7217862 w 10853928"/>
+              <a:gd name="connsiteY23" fmla="*/ 18288 h 18288"/>
+              <a:gd name="connsiteX24" fmla="*/ 6648031 w 10853928"/>
+              <a:gd name="connsiteY24" fmla="*/ 18288 h 18288"/>
+              <a:gd name="connsiteX25" fmla="*/ 6078200 w 10853928"/>
+              <a:gd name="connsiteY25" fmla="*/ 18288 h 18288"/>
+              <a:gd name="connsiteX26" fmla="*/ 5508368 w 10853928"/>
+              <a:gd name="connsiteY26" fmla="*/ 18288 h 18288"/>
+              <a:gd name="connsiteX27" fmla="*/ 4721459 w 10853928"/>
+              <a:gd name="connsiteY27" fmla="*/ 18288 h 18288"/>
+              <a:gd name="connsiteX28" fmla="*/ 4043088 w 10853928"/>
+              <a:gd name="connsiteY28" fmla="*/ 18288 h 18288"/>
+              <a:gd name="connsiteX29" fmla="*/ 3690336 w 10853928"/>
+              <a:gd name="connsiteY29" fmla="*/ 18288 h 18288"/>
+              <a:gd name="connsiteX30" fmla="*/ 3120504 w 10853928"/>
+              <a:gd name="connsiteY30" fmla="*/ 18288 h 18288"/>
+              <a:gd name="connsiteX31" fmla="*/ 2333595 w 10853928"/>
+              <a:gd name="connsiteY31" fmla="*/ 18288 h 18288"/>
+              <a:gd name="connsiteX32" fmla="*/ 1872303 w 10853928"/>
+              <a:gd name="connsiteY32" fmla="*/ 18288 h 18288"/>
+              <a:gd name="connsiteX33" fmla="*/ 976854 w 10853928"/>
+              <a:gd name="connsiteY33" fmla="*/ 18288 h 18288"/>
+              <a:gd name="connsiteX34" fmla="*/ 0 w 10853928"/>
+              <a:gd name="connsiteY34" fmla="*/ 18288 h 18288"/>
+              <a:gd name="connsiteX35" fmla="*/ 0 w 10853928"/>
+              <a:gd name="connsiteY35" fmla="*/ 0 h 18288"/>
+            </a:gdLst>
+            <a:ahLst/>
+            <a:cxnLst>
+              <a:cxn ang="0">
+                <a:pos x="connsiteX0" y="connsiteY0"/>
+              </a:cxn>
+              <a:cxn ang="0">
+                <a:pos x="connsiteX1" y="connsiteY1"/>
+              </a:cxn>
+              <a:cxn ang="0">
+                <a:pos x="connsiteX2" y="connsiteY2"/>
+              </a:cxn>
+              <a:cxn ang="0">
+                <a:pos x="connsiteX3" y="connsiteY3"/>
+              </a:cxn>
+              <a:cxn ang="0">
+                <a:pos x="connsiteX4" y="connsiteY4"/>
+              </a:cxn>
+              <a:cxn ang="0">
+                <a:pos x="connsiteX5" y="connsiteY5"/>
+              </a:cxn>
+              <a:cxn ang="0">
+                <a:pos x="connsiteX6" y="connsiteY6"/>
+              </a:cxn>
+              <a:cxn ang="0">
+                <a:pos x="connsiteX7" y="connsiteY7"/>
+              </a:cxn>
+              <a:cxn ang="0">
+                <a:pos x="connsiteX8" y="connsiteY8"/>
+              </a:cxn>
+              <a:cxn ang="0">
+                <a:pos x="connsiteX9" y="connsiteY9"/>
+              </a:cxn>
+              <a:cxn ang="0">
+                <a:pos x="connsiteX10" y="connsiteY10"/>
+              </a:cxn>
+              <a:cxn ang="0">
+                <a:pos x="connsiteX11" y="connsiteY11"/>
+              </a:cxn>
+              <a:cxn ang="0">
+                <a:pos x="connsiteX12" y="connsiteY12"/>
+              </a:cxn>
+              <a:cxn ang="0">
+                <a:pos x="connsiteX13" y="connsiteY13"/>
+              </a:cxn>
+              <a:cxn ang="0">
+                <a:pos x="connsiteX14" y="connsiteY14"/>
+              </a:cxn>
+              <a:cxn ang="0">
+                <a:pos x="connsiteX15" y="connsiteY15"/>
+              </a:cxn>
+              <a:cxn ang="0">
+                <a:pos x="connsiteX16" y="connsiteY16"/>
+              </a:cxn>
+              <a:cxn ang="0">
+                <a:pos x="connsiteX17" y="connsiteY17"/>
+              </a:cxn>
+              <a:cxn ang="0">
+                <a:pos x="connsiteX18" y="connsiteY18"/>
+              </a:cxn>
+              <a:cxn ang="0">
+                <a:pos x="connsiteX19" y="connsiteY19"/>
+              </a:cxn>
+              <a:cxn ang="0">
+                <a:pos x="connsiteX20" y="connsiteY20"/>
+              </a:cxn>
+              <a:cxn ang="0">
+                <a:pos x="connsiteX21" y="connsiteY21"/>
+              </a:cxn>
+              <a:cxn ang="0">
+                <a:pos x="connsiteX22" y="connsiteY22"/>
+              </a:cxn>
+              <a:cxn ang="0">
+                <a:pos x="connsiteX23" y="connsiteY23"/>
+              </a:cxn>
+              <a:cxn ang="0">
+                <a:pos x="connsiteX24" y="connsiteY24"/>
+              </a:cxn>
+              <a:cxn ang="0">
+                <a:pos x="connsiteX25" y="connsiteY25"/>
+              </a:cxn>
+              <a:cxn ang="0">
+                <a:pos x="connsiteX26" y="connsiteY26"/>
+              </a:cxn>
+              <a:cxn ang="0">
+                <a:pos x="connsiteX27" y="connsiteY27"/>
+              </a:cxn>
+              <a:cxn ang="0">
+                <a:pos x="connsiteX28" y="connsiteY28"/>
+              </a:cxn>
+              <a:cxn ang="0">
+                <a:pos x="connsiteX29" y="connsiteY29"/>
+              </a:cxn>
+              <a:cxn ang="0">
+                <a:pos x="connsiteX30" y="connsiteY30"/>
+              </a:cxn>
+              <a:cxn ang="0">
+                <a:pos x="connsiteX31" y="connsiteY31"/>
+              </a:cxn>
+              <a:cxn ang="0">
+                <a:pos x="connsiteX32" y="connsiteY32"/>
+              </a:cxn>
+              <a:cxn ang="0">
+                <a:pos x="connsiteX33" y="connsiteY33"/>
+              </a:cxn>
+              <a:cxn ang="0">
+                <a:pos x="connsiteX34" y="connsiteY34"/>
+              </a:cxn>
+              <a:cxn ang="0">
+                <a:pos x="connsiteX35" y="connsiteY35"/>
+              </a:cxn>
+            </a:cxnLst>
+            <a:rect l="l" t="t" r="r" b="b"/>
+            <a:pathLst>
+              <a:path w="10853928" h="18288" fill="none" extrusionOk="0">
+                <a:moveTo>
+                  <a:pt x="0" y="0"/>
+                </a:moveTo>
+                <a:cubicBezTo>
+                  <a:pt x="146993" y="-19076"/>
+                  <a:pt x="347684" y="-4790"/>
+                  <a:pt x="461292" y="0"/>
+                </a:cubicBezTo>
+                <a:cubicBezTo>
+                  <a:pt x="574900" y="4790"/>
+                  <a:pt x="808367" y="19821"/>
+                  <a:pt x="1139662" y="0"/>
+                </a:cubicBezTo>
+                <a:cubicBezTo>
+                  <a:pt x="1470957" y="-19821"/>
+                  <a:pt x="1627405" y="5721"/>
+                  <a:pt x="1926572" y="0"/>
+                </a:cubicBezTo>
+                <a:cubicBezTo>
+                  <a:pt x="2225739" y="-5721"/>
+                  <a:pt x="2137730" y="-3235"/>
+                  <a:pt x="2279325" y="0"/>
+                </a:cubicBezTo>
+                <a:cubicBezTo>
+                  <a:pt x="2420920" y="3235"/>
+                  <a:pt x="2456518" y="9685"/>
+                  <a:pt x="2632078" y="0"/>
+                </a:cubicBezTo>
+                <a:cubicBezTo>
+                  <a:pt x="2807638" y="-9685"/>
+                  <a:pt x="3211516" y="-43007"/>
+                  <a:pt x="3527527" y="0"/>
+                </a:cubicBezTo>
+                <a:cubicBezTo>
+                  <a:pt x="3843538" y="43007"/>
+                  <a:pt x="4058833" y="22042"/>
+                  <a:pt x="4205897" y="0"/>
+                </a:cubicBezTo>
+                <a:cubicBezTo>
+                  <a:pt x="4352961" y="-22042"/>
+                  <a:pt x="4474805" y="-11846"/>
+                  <a:pt x="4558650" y="0"/>
+                </a:cubicBezTo>
+                <a:cubicBezTo>
+                  <a:pt x="4642495" y="11846"/>
+                  <a:pt x="5041928" y="-6069"/>
+                  <a:pt x="5237020" y="0"/>
+                </a:cubicBezTo>
+                <a:cubicBezTo>
+                  <a:pt x="5432112" y="6069"/>
+                  <a:pt x="5943266" y="-17479"/>
+                  <a:pt x="6132469" y="0"/>
+                </a:cubicBezTo>
+                <a:cubicBezTo>
+                  <a:pt x="6321672" y="17479"/>
+                  <a:pt x="6483872" y="26234"/>
+                  <a:pt x="6702301" y="0"/>
+                </a:cubicBezTo>
+                <a:cubicBezTo>
+                  <a:pt x="6920730" y="-26234"/>
+                  <a:pt x="6991194" y="-15156"/>
+                  <a:pt x="7272132" y="0"/>
+                </a:cubicBezTo>
+                <a:cubicBezTo>
+                  <a:pt x="7553070" y="15156"/>
+                  <a:pt x="7684444" y="-32961"/>
+                  <a:pt x="7950502" y="0"/>
+                </a:cubicBezTo>
+                <a:cubicBezTo>
+                  <a:pt x="8216560" y="32961"/>
+                  <a:pt x="8493290" y="-10491"/>
+                  <a:pt x="8737412" y="0"/>
+                </a:cubicBezTo>
+                <a:cubicBezTo>
+                  <a:pt x="8981534" y="10491"/>
+                  <a:pt x="9191586" y="-13899"/>
+                  <a:pt x="9524322" y="0"/>
+                </a:cubicBezTo>
+                <a:cubicBezTo>
+                  <a:pt x="9857058" y="13899"/>
+                  <a:pt x="10297509" y="7485"/>
+                  <a:pt x="10853928" y="0"/>
+                </a:cubicBezTo>
+                <a:cubicBezTo>
+                  <a:pt x="10854574" y="4451"/>
+                  <a:pt x="10854418" y="9226"/>
+                  <a:pt x="10853928" y="18288"/>
+                </a:cubicBezTo>
+                <a:cubicBezTo>
+                  <a:pt x="10691638" y="28522"/>
+                  <a:pt x="10574319" y="29578"/>
+                  <a:pt x="10392636" y="18288"/>
+                </a:cubicBezTo>
+                <a:cubicBezTo>
+                  <a:pt x="10210953" y="6998"/>
+                  <a:pt x="9836277" y="-16742"/>
+                  <a:pt x="9497187" y="18288"/>
+                </a:cubicBezTo>
+                <a:cubicBezTo>
+                  <a:pt x="9158097" y="53318"/>
+                  <a:pt x="9119479" y="30714"/>
+                  <a:pt x="8818817" y="18288"/>
+                </a:cubicBezTo>
+                <a:cubicBezTo>
+                  <a:pt x="8518155" y="5863"/>
+                  <a:pt x="8640037" y="6483"/>
+                  <a:pt x="8466064" y="18288"/>
+                </a:cubicBezTo>
+                <a:cubicBezTo>
+                  <a:pt x="8292091" y="30093"/>
+                  <a:pt x="7997656" y="18914"/>
+                  <a:pt x="7787693" y="18288"/>
+                </a:cubicBezTo>
+                <a:cubicBezTo>
+                  <a:pt x="7577730" y="17662"/>
+                  <a:pt x="7412468" y="21416"/>
+                  <a:pt x="7217862" y="18288"/>
+                </a:cubicBezTo>
+                <a:cubicBezTo>
+                  <a:pt x="7023256" y="15160"/>
+                  <a:pt x="6898018" y="14824"/>
+                  <a:pt x="6648031" y="18288"/>
+                </a:cubicBezTo>
+                <a:cubicBezTo>
+                  <a:pt x="6398044" y="21752"/>
+                  <a:pt x="6254402" y="38625"/>
+                  <a:pt x="6078200" y="18288"/>
+                </a:cubicBezTo>
+                <a:cubicBezTo>
+                  <a:pt x="5901998" y="-2049"/>
+                  <a:pt x="5622886" y="3213"/>
+                  <a:pt x="5508368" y="18288"/>
+                </a:cubicBezTo>
+                <a:cubicBezTo>
+                  <a:pt x="5393850" y="33363"/>
+                  <a:pt x="5036260" y="26830"/>
+                  <a:pt x="4721459" y="18288"/>
+                </a:cubicBezTo>
+                <a:cubicBezTo>
+                  <a:pt x="4406658" y="9746"/>
+                  <a:pt x="4239221" y="41551"/>
+                  <a:pt x="4043088" y="18288"/>
+                </a:cubicBezTo>
+                <a:cubicBezTo>
+                  <a:pt x="3846955" y="-4975"/>
+                  <a:pt x="3818802" y="34658"/>
+                  <a:pt x="3690336" y="18288"/>
+                </a:cubicBezTo>
+                <a:cubicBezTo>
+                  <a:pt x="3561870" y="1918"/>
+                  <a:pt x="3265491" y="42194"/>
+                  <a:pt x="3120504" y="18288"/>
+                </a:cubicBezTo>
+                <a:cubicBezTo>
+                  <a:pt x="2975517" y="-5618"/>
+                  <a:pt x="2720254" y="36673"/>
+                  <a:pt x="2333595" y="18288"/>
+                </a:cubicBezTo>
+                <a:cubicBezTo>
+                  <a:pt x="1946936" y="-97"/>
+                  <a:pt x="2097241" y="5776"/>
+                  <a:pt x="1872303" y="18288"/>
+                </a:cubicBezTo>
+                <a:cubicBezTo>
+                  <a:pt x="1647365" y="30800"/>
+                  <a:pt x="1282708" y="45380"/>
+                  <a:pt x="976854" y="18288"/>
+                </a:cubicBezTo>
+                <a:cubicBezTo>
+                  <a:pt x="671000" y="-8804"/>
+                  <a:pt x="408401" y="-12775"/>
+                  <a:pt x="0" y="18288"/>
+                </a:cubicBezTo>
+                <a:cubicBezTo>
+                  <a:pt x="-213" y="9468"/>
+                  <a:pt x="187" y="4459"/>
+                  <a:pt x="0" y="0"/>
+                </a:cubicBezTo>
+                <a:close/>
+              </a:path>
+              <a:path w="10853928" h="18288" stroke="0" extrusionOk="0">
+                <a:moveTo>
+                  <a:pt x="0" y="0"/>
+                </a:moveTo>
+                <a:cubicBezTo>
+                  <a:pt x="267322" y="15284"/>
+                  <a:pt x="415388" y="-21048"/>
+                  <a:pt x="569831" y="0"/>
+                </a:cubicBezTo>
+                <a:cubicBezTo>
+                  <a:pt x="724274" y="21048"/>
+                  <a:pt x="769333" y="-2353"/>
+                  <a:pt x="922584" y="0"/>
+                </a:cubicBezTo>
+                <a:cubicBezTo>
+                  <a:pt x="1075835" y="2353"/>
+                  <a:pt x="1399490" y="-145"/>
+                  <a:pt x="1818033" y="0"/>
+                </a:cubicBezTo>
+                <a:cubicBezTo>
+                  <a:pt x="2236576" y="145"/>
+                  <a:pt x="2145330" y="5482"/>
+                  <a:pt x="2387864" y="0"/>
+                </a:cubicBezTo>
+                <a:cubicBezTo>
+                  <a:pt x="2630398" y="-5482"/>
+                  <a:pt x="2793207" y="18487"/>
+                  <a:pt x="2957695" y="0"/>
+                </a:cubicBezTo>
+                <a:cubicBezTo>
+                  <a:pt x="3122183" y="-18487"/>
+                  <a:pt x="3579141" y="19003"/>
+                  <a:pt x="3853144" y="0"/>
+                </a:cubicBezTo>
+                <a:cubicBezTo>
+                  <a:pt x="4127147" y="-19003"/>
+                  <a:pt x="4209857" y="12211"/>
+                  <a:pt x="4314436" y="0"/>
+                </a:cubicBezTo>
+                <a:cubicBezTo>
+                  <a:pt x="4419015" y="-12211"/>
+                  <a:pt x="4762459" y="-17220"/>
+                  <a:pt x="5209885" y="0"/>
+                </a:cubicBezTo>
+                <a:cubicBezTo>
+                  <a:pt x="5657311" y="17220"/>
+                  <a:pt x="5692663" y="-3290"/>
+                  <a:pt x="6105335" y="0"/>
+                </a:cubicBezTo>
+                <a:cubicBezTo>
+                  <a:pt x="6518007" y="3290"/>
+                  <a:pt x="6455516" y="-5124"/>
+                  <a:pt x="6783705" y="0"/>
+                </a:cubicBezTo>
+                <a:cubicBezTo>
+                  <a:pt x="7111894" y="5124"/>
+                  <a:pt x="7441941" y="-17829"/>
+                  <a:pt x="7679154" y="0"/>
+                </a:cubicBezTo>
+                <a:cubicBezTo>
+                  <a:pt x="7916367" y="17829"/>
+                  <a:pt x="8102967" y="-24363"/>
+                  <a:pt x="8248985" y="0"/>
+                </a:cubicBezTo>
+                <a:cubicBezTo>
+                  <a:pt x="8395003" y="24363"/>
+                  <a:pt x="8552393" y="25505"/>
+                  <a:pt x="8818817" y="0"/>
+                </a:cubicBezTo>
+                <a:cubicBezTo>
+                  <a:pt x="9085241" y="-25505"/>
+                  <a:pt x="9411308" y="38000"/>
+                  <a:pt x="9605726" y="0"/>
+                </a:cubicBezTo>
+                <a:cubicBezTo>
+                  <a:pt x="9800144" y="-38000"/>
+                  <a:pt x="10006468" y="-25741"/>
+                  <a:pt x="10175558" y="0"/>
+                </a:cubicBezTo>
+                <a:cubicBezTo>
+                  <a:pt x="10344648" y="25741"/>
+                  <a:pt x="10696282" y="695"/>
+                  <a:pt x="10853928" y="0"/>
+                </a:cubicBezTo>
+                <a:cubicBezTo>
+                  <a:pt x="10853521" y="8690"/>
+                  <a:pt x="10853774" y="14141"/>
+                  <a:pt x="10853928" y="18288"/>
+                </a:cubicBezTo>
+                <a:cubicBezTo>
+                  <a:pt x="10608124" y="24255"/>
+                  <a:pt x="10343415" y="22307"/>
+                  <a:pt x="10067018" y="18288"/>
+                </a:cubicBezTo>
+                <a:cubicBezTo>
+                  <a:pt x="9790621" y="14270"/>
+                  <a:pt x="9843266" y="3564"/>
+                  <a:pt x="9714266" y="18288"/>
+                </a:cubicBezTo>
+                <a:cubicBezTo>
+                  <a:pt x="9585266" y="33012"/>
+                  <a:pt x="9379484" y="1875"/>
+                  <a:pt x="9252974" y="18288"/>
+                </a:cubicBezTo>
+                <a:cubicBezTo>
+                  <a:pt x="9126464" y="34701"/>
+                  <a:pt x="8580678" y="-4904"/>
+                  <a:pt x="8357525" y="18288"/>
+                </a:cubicBezTo>
+                <a:cubicBezTo>
+                  <a:pt x="8134372" y="41480"/>
+                  <a:pt x="7903199" y="26458"/>
+                  <a:pt x="7679154" y="18288"/>
+                </a:cubicBezTo>
+                <a:cubicBezTo>
+                  <a:pt x="7455109" y="10118"/>
+                  <a:pt x="7435944" y="27109"/>
+                  <a:pt x="7217862" y="18288"/>
+                </a:cubicBezTo>
+                <a:cubicBezTo>
+                  <a:pt x="6999780" y="9467"/>
+                  <a:pt x="6680409" y="18985"/>
+                  <a:pt x="6539492" y="18288"/>
+                </a:cubicBezTo>
+                <a:cubicBezTo>
+                  <a:pt x="6398575" y="17592"/>
+                  <a:pt x="6312077" y="33018"/>
+                  <a:pt x="6186739" y="18288"/>
+                </a:cubicBezTo>
+                <a:cubicBezTo>
+                  <a:pt x="6061401" y="3558"/>
+                  <a:pt x="5947033" y="12075"/>
+                  <a:pt x="5833986" y="18288"/>
+                </a:cubicBezTo>
+                <a:cubicBezTo>
+                  <a:pt x="5720939" y="24501"/>
+                  <a:pt x="5482226" y="8586"/>
+                  <a:pt x="5155616" y="18288"/>
+                </a:cubicBezTo>
+                <a:cubicBezTo>
+                  <a:pt x="4829006" y="27991"/>
+                  <a:pt x="4841274" y="29316"/>
+                  <a:pt x="4694324" y="18288"/>
+                </a:cubicBezTo>
+                <a:cubicBezTo>
+                  <a:pt x="4547374" y="7260"/>
+                  <a:pt x="4077675" y="7013"/>
+                  <a:pt x="3907414" y="18288"/>
+                </a:cubicBezTo>
+                <a:cubicBezTo>
+                  <a:pt x="3737153" y="29564"/>
+                  <a:pt x="3538393" y="21630"/>
+                  <a:pt x="3446122" y="18288"/>
+                </a:cubicBezTo>
+                <a:cubicBezTo>
+                  <a:pt x="3353851" y="14946"/>
+                  <a:pt x="2990320" y="-8091"/>
+                  <a:pt x="2659212" y="18288"/>
+                </a:cubicBezTo>
+                <a:cubicBezTo>
+                  <a:pt x="2328104" y="44667"/>
+                  <a:pt x="2427653" y="9607"/>
+                  <a:pt x="2306460" y="18288"/>
+                </a:cubicBezTo>
+                <a:cubicBezTo>
+                  <a:pt x="2185267" y="26969"/>
+                  <a:pt x="1719763" y="3717"/>
+                  <a:pt x="1519550" y="18288"/>
+                </a:cubicBezTo>
+                <a:cubicBezTo>
+                  <a:pt x="1319337" y="32860"/>
+                  <a:pt x="1167371" y="17040"/>
+                  <a:pt x="1058258" y="18288"/>
+                </a:cubicBezTo>
+                <a:cubicBezTo>
+                  <a:pt x="949145" y="19536"/>
+                  <a:pt x="780234" y="31447"/>
+                  <a:pt x="705505" y="18288"/>
+                </a:cubicBezTo>
+                <a:cubicBezTo>
+                  <a:pt x="630776" y="5129"/>
+                  <a:pt x="215796" y="30056"/>
+                  <a:pt x="0" y="18288"/>
+                </a:cubicBezTo>
+                <a:cubicBezTo>
+                  <a:pt x="-53" y="11301"/>
+                  <a:pt x="-649" y="7756"/>
+                  <a:pt x="0" y="0"/>
+                </a:cubicBezTo>
+                <a:close/>
+              </a:path>
+            </a:pathLst>
+          </a:custGeom>
+          <a:solidFill>
+            <a:schemeClr val="accent2"/>
+          </a:solidFill>
+          <a:ln w="41275" cap="rnd">
+            <a:solidFill>
+              <a:schemeClr val="accent2"/>
+            </a:solidFill>
+            <a:round/>
+            <a:extLst>
+              <a:ext uri="{C807C97D-BFC1-408E-A445-0C87EB9F89A2}">
+                <ask:lineSketchStyleProps xmlns:ask="http://schemas.microsoft.com/office/drawing/2018/sketchyshapes" sd="1219033472">
+                  <a:prstGeom prst="rect">
+                    <a:avLst/>
+                  </a:prstGeom>
+                  <ask:type>
+                    <ask:lineSketchFreehand/>
+                  </ask:type>
+                </ask:lineSketchStyleProps>
+              </a:ext>
+            </a:extLst>
+          </a:ln>
+        </p:spPr>
+        <p:style>
+          <a:lnRef idx="2">
+            <a:schemeClr val="accent1">
+              <a:shade val="50000"/>
+            </a:schemeClr>
+          </a:lnRef>
+          <a:fillRef idx="1">
+            <a:schemeClr val="accent1"/>
+          </a:fillRef>
+          <a:effectRef idx="0">
+            <a:schemeClr val="accent1"/>
+          </a:effectRef>
+          <a:fontRef idx="minor">
+            <a:schemeClr val="lt1"/>
+          </a:fontRef>
+        </p:style>
+        <p:txBody>
+          <a:bodyPr rtlCol="0" anchor="ctr"/>
+          <a:lstStyle/>
+          <a:p>
+            <a:pPr algn="ctr"/>
+            <a:endParaRPr lang="en-US"/>
+          </a:p>
+        </p:txBody>
+      </p:sp>
+      <p:sp>
+        <p:nvSpPr>
           <p:cNvPr id="3" name="Espace réservé du contenu 2">
             <a:extLst>
               <a:ext uri="{FF2B5EF4-FFF2-40B4-BE49-F238E27FC236}">
@@ -3716,181 +4429,60 @@
             <p:ph idx="1"/>
           </p:nvPr>
         </p:nvSpPr>
-        <p:spPr/>
-        <p:txBody>
-          <a:bodyPr/>
-          <a:lstStyle/>
-          <a:p>
-            <a:r>
-              <a:rPr lang="fr-FR" dirty="0" err="1"/>
-              <a:t>Interested</a:t>
-            </a:r>
-            <a:r>
-              <a:rPr lang="fr-FR" dirty="0"/>
-              <a:t> in Machine Learning and AI </a:t>
-            </a:r>
-            <a:r>
-              <a:rPr lang="fr-FR" dirty="0" err="1"/>
-              <a:t>technology</a:t>
-            </a:r>
-            <a:endParaRPr lang="fr-FR" dirty="0"/>
-          </a:p>
-          <a:p>
-            <a:r>
-              <a:rPr lang="fr-FR" dirty="0"/>
-              <a:t>Alternative (fun) </a:t>
-            </a:r>
-            <a:r>
-              <a:rPr lang="fr-FR" dirty="0" err="1"/>
-              <a:t>way</a:t>
-            </a:r>
-            <a:r>
-              <a:rPr lang="fr-FR" dirty="0"/>
-              <a:t> of </a:t>
-            </a:r>
-            <a:r>
-              <a:rPr lang="fr-FR" dirty="0" err="1"/>
-              <a:t>creating</a:t>
-            </a:r>
-            <a:r>
-              <a:rPr lang="fr-FR" dirty="0"/>
-              <a:t> playlist</a:t>
-            </a:r>
-          </a:p>
-          <a:p>
-            <a:r>
-              <a:rPr lang="fr-FR" dirty="0" err="1"/>
-              <a:t>Integrating</a:t>
-            </a:r>
-            <a:r>
-              <a:rPr lang="fr-FR" dirty="0"/>
-              <a:t> </a:t>
-            </a:r>
-            <a:r>
-              <a:rPr lang="fr-FR" dirty="0" err="1"/>
-              <a:t>interpretation</a:t>
-            </a:r>
-            <a:r>
-              <a:rPr lang="fr-FR" dirty="0"/>
-              <a:t> of the </a:t>
-            </a:r>
-            <a:r>
-              <a:rPr lang="fr-FR" dirty="0" err="1"/>
-              <a:t>word</a:t>
-            </a:r>
-            <a:r>
-              <a:rPr lang="fr-FR" dirty="0"/>
-              <a:t> and how </a:t>
-            </a:r>
-            <a:r>
-              <a:rPr lang="fr-FR" dirty="0" err="1"/>
-              <a:t>it</a:t>
-            </a:r>
-            <a:r>
-              <a:rPr lang="fr-FR" dirty="0"/>
-              <a:t> </a:t>
-            </a:r>
-            <a:r>
-              <a:rPr lang="fr-FR" dirty="0" err="1"/>
-              <a:t>represents</a:t>
-            </a:r>
-            <a:r>
-              <a:rPr lang="fr-FR" dirty="0"/>
-              <a:t> the </a:t>
-            </a:r>
-            <a:r>
-              <a:rPr lang="fr-FR" dirty="0" err="1"/>
-              <a:t>song</a:t>
-            </a:r>
-            <a:endParaRPr lang="fr-FR" dirty="0"/>
-          </a:p>
-          <a:p>
-            <a:endParaRPr lang="fr-FR" dirty="0"/>
-          </a:p>
-          <a:p>
-            <a:r>
-              <a:rPr lang="fr-FR" dirty="0"/>
-              <a:t>Meeting </a:t>
-            </a:r>
-            <a:r>
-              <a:rPr lang="fr-FR" dirty="0" err="1"/>
-              <a:t>every</a:t>
-            </a:r>
-            <a:r>
-              <a:rPr lang="fr-FR" dirty="0"/>
-              <a:t> </a:t>
-            </a:r>
-            <a:r>
-              <a:rPr lang="fr-FR" dirty="0" err="1"/>
-              <a:t>week</a:t>
-            </a:r>
-            <a:r>
-              <a:rPr lang="fr-FR" dirty="0"/>
-              <a:t> in </a:t>
-            </a:r>
-            <a:r>
-              <a:rPr lang="fr-FR" dirty="0" err="1"/>
-              <a:t>order</a:t>
-            </a:r>
-            <a:r>
-              <a:rPr lang="fr-FR" dirty="0"/>
-              <a:t> to </a:t>
-            </a:r>
-            <a:r>
-              <a:rPr lang="fr-FR" dirty="0" err="1"/>
-              <a:t>delegate</a:t>
-            </a:r>
-            <a:r>
-              <a:rPr lang="fr-FR" dirty="0"/>
-              <a:t> </a:t>
-            </a:r>
-            <a:r>
-              <a:rPr lang="fr-FR" dirty="0" err="1"/>
-              <a:t>tasks</a:t>
-            </a:r>
-            <a:r>
-              <a:rPr lang="fr-FR" dirty="0"/>
-              <a:t>, </a:t>
-            </a:r>
-            <a:r>
-              <a:rPr lang="fr-FR" dirty="0" err="1"/>
-              <a:t>track</a:t>
-            </a:r>
-            <a:r>
-              <a:rPr lang="fr-FR" dirty="0"/>
-              <a:t> </a:t>
-            </a:r>
-            <a:r>
-              <a:rPr lang="fr-FR" dirty="0" err="1"/>
-              <a:t>our</a:t>
-            </a:r>
-            <a:r>
-              <a:rPr lang="fr-FR" dirty="0"/>
-              <a:t> </a:t>
-            </a:r>
-            <a:r>
-              <a:rPr lang="fr-FR" dirty="0" err="1"/>
-              <a:t>progress</a:t>
-            </a:r>
-            <a:endParaRPr lang="fr-FR" dirty="0"/>
-          </a:p>
-          <a:p>
-            <a:endParaRPr lang="fr-FR" dirty="0"/>
-          </a:p>
-          <a:p>
-            <a:r>
-              <a:rPr lang="fr-FR"/>
+        <p:spPr>
+          <a:xfrm>
+            <a:off x="838200" y="1929384"/>
+            <a:ext cx="10515600" cy="4251960"/>
+          </a:xfrm>
+        </p:spPr>
+        <p:txBody>
+          <a:bodyPr>
+            <a:normAutofit/>
+          </a:bodyPr>
+          <a:lstStyle/>
+          <a:p>
+            <a:r>
+              <a:rPr lang="en-IE" sz="2200" dirty="0"/>
+              <a:t>Interested in Machine Learning and AI technology</a:t>
+            </a:r>
+          </a:p>
+          <a:p>
+            <a:r>
+              <a:rPr lang="en-IE" sz="2200" dirty="0"/>
+              <a:t>Alternative (fun) way of creating playlist</a:t>
+            </a:r>
+          </a:p>
+          <a:p>
+            <a:r>
+              <a:rPr lang="en-IE" sz="2200" dirty="0"/>
+              <a:t>Integrating interpretation of the word and how it represents the song</a:t>
+            </a:r>
+          </a:p>
+          <a:p>
+            <a:endParaRPr lang="en-IE" sz="2200" dirty="0"/>
+          </a:p>
+          <a:p>
+            <a:r>
+              <a:rPr lang="en-IE" sz="2200" dirty="0"/>
+              <a:t>Meeting every week to delegate tasks, track our progress</a:t>
+            </a:r>
+          </a:p>
+          <a:p>
+            <a:endParaRPr lang="en-IE" sz="2200" dirty="0"/>
+          </a:p>
+          <a:p>
+            <a:r>
+              <a:rPr lang="en-IE" sz="2200" dirty="0"/>
               <a:t>Design inspiration</a:t>
             </a:r>
-            <a:endParaRPr lang="fr-FR" dirty="0"/>
           </a:p>
           <a:p>
             <a:pPr lvl="1"/>
             <a:r>
-              <a:rPr lang="fr-FR" dirty="0" err="1"/>
+              <a:rPr lang="en-IE" sz="2200" dirty="0" err="1"/>
               <a:t>Soundiiz</a:t>
             </a:r>
-            <a:endParaRPr lang="fr-FR" dirty="0"/>
+            <a:endParaRPr lang="en-IE" sz="2200" dirty="0"/>
           </a:p>
         </p:txBody>
       </p:sp>
@@ -3910,6 +4502,14 @@
 <file path=ppt/slides/slide5.xml><?xml version="1.0" encoding="utf-8"?>
 <p:sld xmlns:a="http://schemas.openxmlformats.org/drawingml/2006/main" xmlns:r="http://schemas.openxmlformats.org/officeDocument/2006/relationships" xmlns:p="http://schemas.openxmlformats.org/presentationml/2006/main">
   <p:cSld>
+    <p:bg>
+      <p:bgPr>
+        <a:solidFill>
+          <a:schemeClr val="bg1"/>
+        </a:solidFill>
+        <a:effectLst/>
+      </p:bgPr>
+    </p:bg>
     <p:spTree>
       <p:nvGrpSpPr>
         <p:cNvPr id="1" name=""/>
@@ -3924,6 +4524,66 @@
           <a:chExt cx="0" cy="0"/>
         </a:xfrm>
       </p:grpSpPr>
+      <p:sp useBgFill="1">
+        <p:nvSpPr>
+          <p:cNvPr id="36" name="Rectangle 8">
+            <a:extLst>
+              <a:ext uri="{FF2B5EF4-FFF2-40B4-BE49-F238E27FC236}">
+                <a16:creationId xmlns:a16="http://schemas.microsoft.com/office/drawing/2014/main" id="{F13C74B1-5B17-4795-BED0-7140497B445A}"/>
+              </a:ext>
+              <a:ext uri="{C183D7F6-B498-43B3-948B-1728B52AA6E4}">
+                <adec:decorative xmlns:adec="http://schemas.microsoft.com/office/drawing/2017/decorative" val="1"/>
+              </a:ext>
+            </a:extLst>
+          </p:cNvPr>
+          <p:cNvSpPr>
+            <a:spLocks noGrp="1" noRot="1" noChangeAspect="1" noMove="1" noResize="1" noEditPoints="1" noAdjustHandles="1" noChangeArrowheads="1" noChangeShapeType="1" noTextEdit="1"/>
+          </p:cNvSpPr>
+          <p:nvPr>
+            <p:extLst>
+              <p:ext uri="{386F3935-93C4-4BCD-93E2-E3B085C9AB24}">
+                <p16:designElem xmlns:p16="http://schemas.microsoft.com/office/powerpoint/2015/main" val="1"/>
+              </p:ext>
+            </p:extLst>
+          </p:nvPr>
+        </p:nvSpPr>
+        <p:spPr>
+          <a:xfrm>
+            <a:off x="0" y="0"/>
+            <a:ext cx="12188952" cy="6858000"/>
+          </a:xfrm>
+          <a:prstGeom prst="rect">
+            <a:avLst/>
+          </a:prstGeom>
+          <a:ln>
+            <a:noFill/>
+          </a:ln>
+        </p:spPr>
+        <p:style>
+          <a:lnRef idx="2">
+            <a:schemeClr val="accent1">
+              <a:shade val="50000"/>
+            </a:schemeClr>
+          </a:lnRef>
+          <a:fillRef idx="1">
+            <a:schemeClr val="accent1"/>
+          </a:fillRef>
+          <a:effectRef idx="0">
+            <a:schemeClr val="accent1"/>
+          </a:effectRef>
+          <a:fontRef idx="minor">
+            <a:schemeClr val="lt1"/>
+          </a:fontRef>
+        </p:style>
+        <p:txBody>
+          <a:bodyPr rtlCol="0" anchor="ctr"/>
+          <a:lstStyle/>
+          <a:p>
+            <a:pPr algn="ctr"/>
+            <a:endParaRPr lang="en-US"/>
+          </a:p>
+        </p:txBody>
+      </p:sp>
       <p:sp>
         <p:nvSpPr>
           <p:cNvPr id="2" name="Titre 1">
@@ -3940,20 +4600,305 @@
             <p:ph type="title"/>
           </p:nvPr>
         </p:nvSpPr>
-        <p:spPr/>
-        <p:txBody>
-          <a:bodyPr/>
-          <a:lstStyle/>
-          <a:p>
-            <a:r>
-              <a:rPr lang="fr-FR" dirty="0"/>
-              <a:t>Project </a:t>
-            </a:r>
-            <a:r>
-              <a:rPr lang="fr-FR" dirty="0" err="1"/>
-              <a:t>Overview</a:t>
-            </a:r>
-            <a:endParaRPr lang="fr-FR" dirty="0"/>
+        <p:spPr>
+          <a:xfrm>
+            <a:off x="640080" y="325369"/>
+            <a:ext cx="4368602" cy="1956841"/>
+          </a:xfrm>
+        </p:spPr>
+        <p:txBody>
+          <a:bodyPr anchor="b">
+            <a:normAutofit/>
+          </a:bodyPr>
+          <a:lstStyle/>
+          <a:p>
+            <a:r>
+              <a:rPr lang="fr-FR" sz="5400"/>
+              <a:t>Project Overview</a:t>
+            </a:r>
+          </a:p>
+        </p:txBody>
+      </p:sp>
+      <p:sp>
+        <p:nvSpPr>
+          <p:cNvPr id="37" name="sketchy line">
+            <a:extLst>
+              <a:ext uri="{FF2B5EF4-FFF2-40B4-BE49-F238E27FC236}">
+                <a16:creationId xmlns:a16="http://schemas.microsoft.com/office/drawing/2014/main" id="{D4974D33-8DC5-464E-8C6D-BE58F0669C17}"/>
+              </a:ext>
+              <a:ext uri="{C183D7F6-B498-43B3-948B-1728B52AA6E4}">
+                <adec:decorative xmlns:adec="http://schemas.microsoft.com/office/drawing/2017/decorative" val="1"/>
+              </a:ext>
+            </a:extLst>
+          </p:cNvPr>
+          <p:cNvSpPr>
+            <a:spLocks noGrp="1" noRot="1" noChangeAspect="1" noMove="1" noResize="1" noEditPoints="1" noAdjustHandles="1" noChangeArrowheads="1" noChangeShapeType="1" noTextEdit="1"/>
+          </p:cNvSpPr>
+          <p:nvPr>
+            <p:extLst>
+              <p:ext uri="{386F3935-93C4-4BCD-93E2-E3B085C9AB24}">
+                <p16:designElem xmlns:p16="http://schemas.microsoft.com/office/powerpoint/2015/main" val="1"/>
+              </p:ext>
+            </p:extLst>
+          </p:nvPr>
+        </p:nvSpPr>
+        <p:spPr>
+          <a:xfrm>
+            <a:off x="640080" y="2586994"/>
+            <a:ext cx="3474720" cy="18288"/>
+          </a:xfrm>
+          <a:custGeom>
+            <a:avLst/>
+            <a:gdLst>
+              <a:gd name="connsiteX0" fmla="*/ 0 w 3474720"/>
+              <a:gd name="connsiteY0" fmla="*/ 0 h 18288"/>
+              <a:gd name="connsiteX1" fmla="*/ 694944 w 3474720"/>
+              <a:gd name="connsiteY1" fmla="*/ 0 h 18288"/>
+              <a:gd name="connsiteX2" fmla="*/ 1355141 w 3474720"/>
+              <a:gd name="connsiteY2" fmla="*/ 0 h 18288"/>
+              <a:gd name="connsiteX3" fmla="*/ 2015338 w 3474720"/>
+              <a:gd name="connsiteY3" fmla="*/ 0 h 18288"/>
+              <a:gd name="connsiteX4" fmla="*/ 2779776 w 3474720"/>
+              <a:gd name="connsiteY4" fmla="*/ 0 h 18288"/>
+              <a:gd name="connsiteX5" fmla="*/ 3474720 w 3474720"/>
+              <a:gd name="connsiteY5" fmla="*/ 0 h 18288"/>
+              <a:gd name="connsiteX6" fmla="*/ 3474720 w 3474720"/>
+              <a:gd name="connsiteY6" fmla="*/ 18288 h 18288"/>
+              <a:gd name="connsiteX7" fmla="*/ 2779776 w 3474720"/>
+              <a:gd name="connsiteY7" fmla="*/ 18288 h 18288"/>
+              <a:gd name="connsiteX8" fmla="*/ 2189074 w 3474720"/>
+              <a:gd name="connsiteY8" fmla="*/ 18288 h 18288"/>
+              <a:gd name="connsiteX9" fmla="*/ 1528877 w 3474720"/>
+              <a:gd name="connsiteY9" fmla="*/ 18288 h 18288"/>
+              <a:gd name="connsiteX10" fmla="*/ 868680 w 3474720"/>
+              <a:gd name="connsiteY10" fmla="*/ 18288 h 18288"/>
+              <a:gd name="connsiteX11" fmla="*/ 0 w 3474720"/>
+              <a:gd name="connsiteY11" fmla="*/ 18288 h 18288"/>
+              <a:gd name="connsiteX12" fmla="*/ 0 w 3474720"/>
+              <a:gd name="connsiteY12" fmla="*/ 0 h 18288"/>
+            </a:gdLst>
+            <a:ahLst/>
+            <a:cxnLst>
+              <a:cxn ang="0">
+                <a:pos x="connsiteX0" y="connsiteY0"/>
+              </a:cxn>
+              <a:cxn ang="0">
+                <a:pos x="connsiteX1" y="connsiteY1"/>
+              </a:cxn>
+              <a:cxn ang="0">
+                <a:pos x="connsiteX2" y="connsiteY2"/>
+              </a:cxn>
+              <a:cxn ang="0">
+                <a:pos x="connsiteX3" y="connsiteY3"/>
+              </a:cxn>
+              <a:cxn ang="0">
+                <a:pos x="connsiteX4" y="connsiteY4"/>
+              </a:cxn>
+              <a:cxn ang="0">
+                <a:pos x="connsiteX5" y="connsiteY5"/>
+              </a:cxn>
+              <a:cxn ang="0">
+                <a:pos x="connsiteX6" y="connsiteY6"/>
+              </a:cxn>
+              <a:cxn ang="0">
+                <a:pos x="connsiteX7" y="connsiteY7"/>
+              </a:cxn>
+              <a:cxn ang="0">
+                <a:pos x="connsiteX8" y="connsiteY8"/>
+              </a:cxn>
+              <a:cxn ang="0">
+                <a:pos x="connsiteX9" y="connsiteY9"/>
+              </a:cxn>
+              <a:cxn ang="0">
+                <a:pos x="connsiteX10" y="connsiteY10"/>
+              </a:cxn>
+              <a:cxn ang="0">
+                <a:pos x="connsiteX11" y="connsiteY11"/>
+              </a:cxn>
+              <a:cxn ang="0">
+                <a:pos x="connsiteX12" y="connsiteY12"/>
+              </a:cxn>
+            </a:cxnLst>
+            <a:rect l="l" t="t" r="r" b="b"/>
+            <a:pathLst>
+              <a:path w="3474720" h="18288" fill="none" extrusionOk="0">
+                <a:moveTo>
+                  <a:pt x="0" y="0"/>
+                </a:moveTo>
+                <a:cubicBezTo>
+                  <a:pt x="224454" y="-14544"/>
+                  <a:pt x="495407" y="26540"/>
+                  <a:pt x="694944" y="0"/>
+                </a:cubicBezTo>
+                <a:cubicBezTo>
+                  <a:pt x="894481" y="-26540"/>
+                  <a:pt x="1130063" y="24713"/>
+                  <a:pt x="1355141" y="0"/>
+                </a:cubicBezTo>
+                <a:cubicBezTo>
+                  <a:pt x="1580219" y="-24713"/>
+                  <a:pt x="1820099" y="26695"/>
+                  <a:pt x="2015338" y="0"/>
+                </a:cubicBezTo>
+                <a:cubicBezTo>
+                  <a:pt x="2210577" y="-26695"/>
+                  <a:pt x="2402045" y="165"/>
+                  <a:pt x="2779776" y="0"/>
+                </a:cubicBezTo>
+                <a:cubicBezTo>
+                  <a:pt x="3157507" y="-165"/>
+                  <a:pt x="3286859" y="-15571"/>
+                  <a:pt x="3474720" y="0"/>
+                </a:cubicBezTo>
+                <a:cubicBezTo>
+                  <a:pt x="3474286" y="7551"/>
+                  <a:pt x="3474253" y="9822"/>
+                  <a:pt x="3474720" y="18288"/>
+                </a:cubicBezTo>
+                <a:cubicBezTo>
+                  <a:pt x="3233904" y="29845"/>
+                  <a:pt x="2945134" y="-5256"/>
+                  <a:pt x="2779776" y="18288"/>
+                </a:cubicBezTo>
+                <a:cubicBezTo>
+                  <a:pt x="2614418" y="41832"/>
+                  <a:pt x="2339768" y="22709"/>
+                  <a:pt x="2189074" y="18288"/>
+                </a:cubicBezTo>
+                <a:cubicBezTo>
+                  <a:pt x="2038380" y="13867"/>
+                  <a:pt x="1817434" y="-4947"/>
+                  <a:pt x="1528877" y="18288"/>
+                </a:cubicBezTo>
+                <a:cubicBezTo>
+                  <a:pt x="1240320" y="41523"/>
+                  <a:pt x="1042447" y="37198"/>
+                  <a:pt x="868680" y="18288"/>
+                </a:cubicBezTo>
+                <a:cubicBezTo>
+                  <a:pt x="694913" y="-622"/>
+                  <a:pt x="233232" y="44909"/>
+                  <a:pt x="0" y="18288"/>
+                </a:cubicBezTo>
+                <a:cubicBezTo>
+                  <a:pt x="60" y="11696"/>
+                  <a:pt x="66" y="3758"/>
+                  <a:pt x="0" y="0"/>
+                </a:cubicBezTo>
+                <a:close/>
+              </a:path>
+              <a:path w="3474720" h="18288" stroke="0" extrusionOk="0">
+                <a:moveTo>
+                  <a:pt x="0" y="0"/>
+                </a:moveTo>
+                <a:cubicBezTo>
+                  <a:pt x="202328" y="-14716"/>
+                  <a:pt x="332722" y="-11499"/>
+                  <a:pt x="625450" y="0"/>
+                </a:cubicBezTo>
+                <a:cubicBezTo>
+                  <a:pt x="918178" y="11499"/>
+                  <a:pt x="1096688" y="5123"/>
+                  <a:pt x="1389888" y="0"/>
+                </a:cubicBezTo>
+                <a:cubicBezTo>
+                  <a:pt x="1683088" y="-5123"/>
+                  <a:pt x="1835981" y="-14038"/>
+                  <a:pt x="1980590" y="0"/>
+                </a:cubicBezTo>
+                <a:cubicBezTo>
+                  <a:pt x="2125199" y="14038"/>
+                  <a:pt x="2396099" y="-7203"/>
+                  <a:pt x="2571293" y="0"/>
+                </a:cubicBezTo>
+                <a:cubicBezTo>
+                  <a:pt x="2746487" y="7203"/>
+                  <a:pt x="3041609" y="-12036"/>
+                  <a:pt x="3474720" y="0"/>
+                </a:cubicBezTo>
+                <a:cubicBezTo>
+                  <a:pt x="3474638" y="4406"/>
+                  <a:pt x="3474631" y="9982"/>
+                  <a:pt x="3474720" y="18288"/>
+                </a:cubicBezTo>
+                <a:cubicBezTo>
+                  <a:pt x="3324873" y="21876"/>
+                  <a:pt x="3136771" y="12587"/>
+                  <a:pt x="2814523" y="18288"/>
+                </a:cubicBezTo>
+                <a:cubicBezTo>
+                  <a:pt x="2492275" y="23989"/>
+                  <a:pt x="2294402" y="47111"/>
+                  <a:pt x="2154326" y="18288"/>
+                </a:cubicBezTo>
+                <a:cubicBezTo>
+                  <a:pt x="2014250" y="-10535"/>
+                  <a:pt x="1820317" y="33903"/>
+                  <a:pt x="1494130" y="18288"/>
+                </a:cubicBezTo>
+                <a:cubicBezTo>
+                  <a:pt x="1167943" y="2673"/>
+                  <a:pt x="948432" y="14868"/>
+                  <a:pt x="729691" y="18288"/>
+                </a:cubicBezTo>
+                <a:cubicBezTo>
+                  <a:pt x="510950" y="21708"/>
+                  <a:pt x="264032" y="24354"/>
+                  <a:pt x="0" y="18288"/>
+                </a:cubicBezTo>
+                <a:cubicBezTo>
+                  <a:pt x="189" y="14288"/>
+                  <a:pt x="-703" y="3747"/>
+                  <a:pt x="0" y="0"/>
+                </a:cubicBezTo>
+                <a:close/>
+              </a:path>
+            </a:pathLst>
+          </a:custGeom>
+          <a:solidFill>
+            <a:schemeClr val="accent2"/>
+          </a:solidFill>
+          <a:ln w="44450" cap="rnd">
+            <a:solidFill>
+              <a:schemeClr val="accent2"/>
+            </a:solidFill>
+            <a:round/>
+            <a:extLst>
+              <a:ext uri="{C807C97D-BFC1-408E-A445-0C87EB9F89A2}">
+                <ask:lineSketchStyleProps xmlns:ask="http://schemas.microsoft.com/office/drawing/2018/sketchyshapes" sd="2863741219">
+                  <a:prstGeom prst="rect">
+                    <a:avLst/>
+                  </a:prstGeom>
+                  <ask:type>
+                    <ask:lineSketchFreehand/>
+                  </ask:type>
+                </ask:lineSketchStyleProps>
+              </a:ext>
+            </a:extLst>
+          </a:ln>
+        </p:spPr>
+        <p:style>
+          <a:lnRef idx="2">
+            <a:schemeClr val="accent1">
+              <a:shade val="50000"/>
+            </a:schemeClr>
+          </a:lnRef>
+          <a:fillRef idx="1">
+            <a:schemeClr val="accent1"/>
+          </a:fillRef>
+          <a:effectRef idx="0">
+            <a:schemeClr val="accent1"/>
+          </a:effectRef>
+          <a:fontRef idx="minor">
+            <a:schemeClr val="lt1"/>
+          </a:fontRef>
+        </p:style>
+        <p:txBody>
+          <a:bodyPr rtlCol="0" anchor="ctr"/>
+          <a:lstStyle/>
+          <a:p>
+            <a:pPr algn="ctr"/>
+            <a:endParaRPr lang="en-US"/>
           </a:p>
         </p:txBody>
       </p:sp>
@@ -3973,7 +4918,12 @@
             <p:ph idx="1"/>
           </p:nvPr>
         </p:nvSpPr>
-        <p:spPr/>
+        <p:spPr>
+          <a:xfrm>
+            <a:off x="640080" y="2872899"/>
+            <a:ext cx="4243589" cy="3320668"/>
+          </a:xfrm>
+        </p:spPr>
         <p:txBody>
           <a:bodyPr>
             <a:normAutofit/>
@@ -3981,159 +4931,200 @@
           <a:lstStyle/>
           <a:p>
             <a:r>
-              <a:rPr lang="fr-FR" dirty="0" err="1"/>
-              <a:t>Idea</a:t>
-            </a:r>
-            <a:r>
-              <a:rPr lang="fr-FR" dirty="0"/>
-              <a:t>: Type a </a:t>
-            </a:r>
-            <a:r>
-              <a:rPr lang="fr-FR" dirty="0" err="1"/>
-              <a:t>word</a:t>
-            </a:r>
-            <a:r>
-              <a:rPr lang="fr-FR" dirty="0"/>
-              <a:t> as an input</a:t>
-            </a:r>
-          </a:p>
-          <a:p>
-            <a:r>
-              <a:rPr lang="fr-FR" dirty="0" err="1"/>
-              <a:t>Recognizing</a:t>
-            </a:r>
-            <a:r>
-              <a:rPr lang="fr-FR" dirty="0"/>
-              <a:t> </a:t>
-            </a:r>
-            <a:r>
-              <a:rPr lang="fr-FR" dirty="0" err="1"/>
-              <a:t>songs</a:t>
-            </a:r>
-            <a:r>
-              <a:rPr lang="fr-FR" dirty="0"/>
-              <a:t> </a:t>
-            </a:r>
-            <a:r>
-              <a:rPr lang="fr-FR" dirty="0" err="1"/>
-              <a:t>based</a:t>
-            </a:r>
-            <a:r>
-              <a:rPr lang="fr-FR" dirty="0"/>
-              <a:t> on </a:t>
-            </a:r>
-            <a:r>
-              <a:rPr lang="fr-FR" dirty="0" err="1"/>
-              <a:t>this</a:t>
-            </a:r>
-            <a:r>
-              <a:rPr lang="fr-FR" dirty="0"/>
-              <a:t> </a:t>
-            </a:r>
-            <a:r>
-              <a:rPr lang="fr-FR" dirty="0" err="1"/>
-              <a:t>word</a:t>
-            </a:r>
-            <a:endParaRPr lang="fr-FR" dirty="0"/>
-          </a:p>
-          <a:p>
-            <a:r>
-              <a:rPr lang="fr-FR" dirty="0"/>
-              <a:t>For </a:t>
-            </a:r>
-            <a:r>
-              <a:rPr lang="fr-FR" dirty="0" err="1"/>
-              <a:t>example</a:t>
-            </a:r>
-            <a:r>
-              <a:rPr lang="fr-FR" dirty="0"/>
-              <a:t>: </a:t>
+              <a:rPr lang="fr-FR" sz="1500"/>
+              <a:t>Idea: Type a word as an input</a:t>
+            </a:r>
+          </a:p>
+          <a:p>
+            <a:r>
+              <a:rPr lang="fr-FR" sz="1500"/>
+              <a:t>Recognizing songs based on this word</a:t>
+            </a:r>
+          </a:p>
+          <a:p>
+            <a:r>
+              <a:rPr lang="fr-FR" sz="1500"/>
+              <a:t>For example: </a:t>
             </a:r>
           </a:p>
           <a:p>
             <a:pPr lvl="1"/>
             <a:r>
-              <a:rPr lang="fr-FR" dirty="0"/>
-              <a:t>input= Irish -&gt; output=Fields of </a:t>
-            </a:r>
-            <a:r>
-              <a:rPr lang="fr-FR" dirty="0" err="1"/>
-              <a:t>atheary</a:t>
-            </a:r>
-            <a:endParaRPr lang="fr-FR" dirty="0"/>
+              <a:rPr lang="fr-FR" sz="1500"/>
+              <a:t>input= Irish -&gt; output=Fields of atheary</a:t>
+            </a:r>
           </a:p>
           <a:p>
             <a:pPr lvl="1"/>
             <a:r>
-              <a:rPr lang="fr-FR" dirty="0"/>
-              <a:t>Input=Green -&gt; output=Fields of </a:t>
-            </a:r>
-            <a:r>
-              <a:rPr lang="fr-FR" dirty="0" err="1"/>
-              <a:t>atheary</a:t>
-            </a:r>
-            <a:endParaRPr lang="fr-FR" dirty="0"/>
+              <a:rPr lang="fr-FR" sz="1500"/>
+              <a:t>Input=Green -&gt; output=Fields of atheary</a:t>
+            </a:r>
           </a:p>
           <a:p>
             <a:pPr marL="457200" lvl="1" indent="0">
               <a:buNone/>
             </a:pPr>
-            <a:endParaRPr lang="fr-FR" dirty="0"/>
-          </a:p>
-          <a:p>
-            <a:r>
-              <a:rPr lang="fr-FR" dirty="0" err="1"/>
-              <a:t>Different</a:t>
-            </a:r>
-            <a:r>
-              <a:rPr lang="fr-FR" dirty="0"/>
-              <a:t> modes of </a:t>
-            </a:r>
-            <a:r>
-              <a:rPr lang="fr-FR" dirty="0" err="1"/>
-              <a:t>searching</a:t>
-            </a:r>
-            <a:r>
-              <a:rPr lang="fr-FR" dirty="0"/>
-              <a:t>: </a:t>
-            </a:r>
-            <a:r>
-              <a:rPr lang="fr-FR" dirty="0" err="1"/>
-              <a:t>title</a:t>
-            </a:r>
-            <a:r>
-              <a:rPr lang="fr-FR" dirty="0"/>
-              <a:t>, lyrics etc…</a:t>
-            </a:r>
-          </a:p>
-          <a:p>
-            <a:r>
-              <a:rPr lang="fr-FR" dirty="0" err="1"/>
-              <a:t>Creates</a:t>
-            </a:r>
-            <a:r>
-              <a:rPr lang="fr-FR" dirty="0"/>
-              <a:t> the playlist in </a:t>
-            </a:r>
-            <a:r>
-              <a:rPr lang="fr-FR" dirty="0" err="1"/>
-              <a:t>your</a:t>
-            </a:r>
-            <a:r>
-              <a:rPr lang="fr-FR" dirty="0"/>
-              <a:t> Spotify </a:t>
-            </a:r>
-            <a:r>
-              <a:rPr lang="fr-FR" dirty="0" err="1"/>
-              <a:t>account</a:t>
-            </a:r>
-            <a:endParaRPr lang="fr-FR" dirty="0"/>
-          </a:p>
-          <a:p>
-            <a:endParaRPr lang="fr-FR" dirty="0"/>
-          </a:p>
-        </p:txBody>
-      </p:sp>
+            <a:endParaRPr lang="fr-FR" sz="1500"/>
+          </a:p>
+          <a:p>
+            <a:r>
+              <a:rPr lang="fr-FR" sz="1500"/>
+              <a:t>Different modes of searching: title, lyrics etc…</a:t>
+            </a:r>
+          </a:p>
+          <a:p>
+            <a:r>
+              <a:rPr lang="fr-FR" sz="1500"/>
+              <a:t>Creates the playlist in your Spotify account</a:t>
+            </a:r>
+          </a:p>
+          <a:p>
+            <a:endParaRPr lang="fr-FR" sz="1500"/>
+          </a:p>
+        </p:txBody>
+      </p:sp>
+      <p:pic>
+        <p:nvPicPr>
+          <p:cNvPr id="38" name="Picture 4" descr="Sticky notes on a wall">
+            <a:extLst>
+              <a:ext uri="{FF2B5EF4-FFF2-40B4-BE49-F238E27FC236}">
+                <a16:creationId xmlns:a16="http://schemas.microsoft.com/office/drawing/2014/main" id="{F2FB8EA9-F4FC-47A6-BE3B-CFE99D999C2C}"/>
+              </a:ext>
+            </a:extLst>
+          </p:cNvPr>
+          <p:cNvPicPr>
+            <a:picLocks noChangeAspect="1"/>
+          </p:cNvPicPr>
+          <p:nvPr/>
+        </p:nvPicPr>
+        <p:blipFill>
+          <a:blip r:embed="rId2"/>
+          <a:srcRect l="14888" r="15152" b="2"/>
+          <a:stretch/>
+        </p:blipFill>
+        <p:spPr>
+          <a:xfrm>
+            <a:off x="5311702" y="10"/>
+            <a:ext cx="6878775" cy="6857990"/>
+          </a:xfrm>
+          <a:custGeom>
+            <a:avLst/>
+            <a:gdLst/>
+            <a:ahLst/>
+            <a:cxnLst/>
+            <a:rect l="l" t="t" r="r" b="b"/>
+            <a:pathLst>
+              <a:path w="6878775" h="6858000">
+                <a:moveTo>
+                  <a:pt x="1102973" y="0"/>
+                </a:moveTo>
+                <a:lnTo>
+                  <a:pt x="1160688" y="0"/>
+                </a:lnTo>
+                <a:lnTo>
+                  <a:pt x="983189" y="331786"/>
+                </a:lnTo>
+                <a:cubicBezTo>
+                  <a:pt x="914866" y="469145"/>
+                  <a:pt x="850355" y="608712"/>
+                  <a:pt x="789261" y="750263"/>
+                </a:cubicBezTo>
+                <a:cubicBezTo>
+                  <a:pt x="774307" y="784928"/>
+                  <a:pt x="759992" y="819849"/>
+                  <a:pt x="745295" y="854514"/>
+                </a:cubicBezTo>
+                <a:cubicBezTo>
+                  <a:pt x="756682" y="845393"/>
+                  <a:pt x="765489" y="833492"/>
+                  <a:pt x="770857" y="819975"/>
+                </a:cubicBezTo>
+                <a:cubicBezTo>
+                  <a:pt x="879943" y="589569"/>
+                  <a:pt x="999605" y="365513"/>
+                  <a:pt x="1131329" y="148742"/>
+                </a:cubicBezTo>
+                <a:lnTo>
+                  <a:pt x="1227589" y="0"/>
+                </a:lnTo>
+                <a:lnTo>
+                  <a:pt x="6878775" y="0"/>
+                </a:lnTo>
+                <a:lnTo>
+                  <a:pt x="6878775" y="6858000"/>
+                </a:lnTo>
+                <a:lnTo>
+                  <a:pt x="713521" y="6858000"/>
+                </a:lnTo>
+                <a:lnTo>
+                  <a:pt x="625642" y="6670527"/>
+                </a:lnTo>
+                <a:cubicBezTo>
+                  <a:pt x="507232" y="6398531"/>
+                  <a:pt x="403083" y="6118381"/>
+                  <a:pt x="312785" y="5830359"/>
+                </a:cubicBezTo>
+                <a:cubicBezTo>
+                  <a:pt x="278149" y="5719759"/>
+                  <a:pt x="248879" y="5607635"/>
+                  <a:pt x="212198" y="5480401"/>
+                </a:cubicBezTo>
+                <a:cubicBezTo>
+                  <a:pt x="212208" y="5491601"/>
+                  <a:pt x="212803" y="5502788"/>
+                  <a:pt x="213988" y="5513923"/>
+                </a:cubicBezTo>
+                <a:cubicBezTo>
+                  <a:pt x="264089" y="5723695"/>
+                  <a:pt x="307290" y="5935370"/>
+                  <a:pt x="365826" y="6142729"/>
+                </a:cubicBezTo>
+                <a:cubicBezTo>
+                  <a:pt x="433152" y="6380817"/>
+                  <a:pt x="510068" y="6614016"/>
+                  <a:pt x="597975" y="6841549"/>
+                </a:cubicBezTo>
+                <a:lnTo>
+                  <a:pt x="604824" y="6858000"/>
+                </a:lnTo>
+                <a:lnTo>
+                  <a:pt x="552056" y="6858000"/>
+                </a:lnTo>
+                <a:lnTo>
+                  <a:pt x="539576" y="6828295"/>
+                </a:lnTo>
+                <a:cubicBezTo>
+                  <a:pt x="380597" y="6414594"/>
+                  <a:pt x="260223" y="5988893"/>
+                  <a:pt x="171555" y="5552906"/>
+                </a:cubicBezTo>
+                <a:cubicBezTo>
+                  <a:pt x="91163" y="5157998"/>
+                  <a:pt x="43746" y="4758899"/>
+                  <a:pt x="12305" y="4357388"/>
+                </a:cubicBezTo>
+                <a:cubicBezTo>
+                  <a:pt x="-14281" y="4013908"/>
+                  <a:pt x="4507" y="3672965"/>
+                  <a:pt x="46684" y="3331516"/>
+                </a:cubicBezTo>
+                <a:cubicBezTo>
+                  <a:pt x="127203" y="2664286"/>
+                  <a:pt x="277819" y="2007265"/>
+                  <a:pt x="496065" y="1371196"/>
+                </a:cubicBezTo>
+                <a:cubicBezTo>
+                  <a:pt x="636273" y="966066"/>
+                  <a:pt x="800445" y="573253"/>
+                  <a:pt x="995723" y="196614"/>
+                </a:cubicBezTo>
+                <a:close/>
+              </a:path>
+            </a:pathLst>
+          </a:custGeom>
+        </p:spPr>
+      </p:pic>
     </p:spTree>
     <p:extLst>
       <p:ext uri="{BB962C8B-B14F-4D97-AF65-F5344CB8AC3E}">
@@ -4150,6 +5141,14 @@
 <file path=ppt/slides/slide6.xml><?xml version="1.0" encoding="utf-8"?>
 <p:sld xmlns:a="http://schemas.openxmlformats.org/drawingml/2006/main" xmlns:r="http://schemas.openxmlformats.org/officeDocument/2006/relationships" xmlns:p="http://schemas.openxmlformats.org/presentationml/2006/main">
   <p:cSld>
+    <p:bg>
+      <p:bgPr>
+        <a:solidFill>
+          <a:schemeClr val="bg1"/>
+        </a:solidFill>
+        <a:effectLst/>
+      </p:bgPr>
+    </p:bg>
     <p:spTree>
       <p:nvGrpSpPr>
         <p:cNvPr id="1" name=""/>
@@ -4164,6 +5163,200 @@
           <a:chExt cx="0" cy="0"/>
         </a:xfrm>
       </p:grpSpPr>
+      <p:sp useBgFill="1">
+        <p:nvSpPr>
+          <p:cNvPr id="8" name="Rectangle 7">
+            <a:extLst>
+              <a:ext uri="{FF2B5EF4-FFF2-40B4-BE49-F238E27FC236}">
+                <a16:creationId xmlns:a16="http://schemas.microsoft.com/office/drawing/2014/main" id="{907EF6B7-1338-4443-8C46-6A318D952DFD}"/>
+              </a:ext>
+              <a:ext uri="{C183D7F6-B498-43B3-948B-1728B52AA6E4}">
+                <adec:decorative xmlns:adec="http://schemas.microsoft.com/office/drawing/2017/decorative" val="1"/>
+              </a:ext>
+            </a:extLst>
+          </p:cNvPr>
+          <p:cNvSpPr>
+            <a:spLocks noGrp="1" noRot="1" noChangeAspect="1" noMove="1" noResize="1" noEditPoints="1" noAdjustHandles="1" noChangeArrowheads="1" noChangeShapeType="1" noTextEdit="1"/>
+          </p:cNvSpPr>
+          <p:nvPr>
+            <p:extLst>
+              <p:ext uri="{386F3935-93C4-4BCD-93E2-E3B085C9AB24}">
+                <p16:designElem xmlns:p16="http://schemas.microsoft.com/office/powerpoint/2015/main" val="1"/>
+              </p:ext>
+            </p:extLst>
+          </p:nvPr>
+        </p:nvSpPr>
+        <p:spPr>
+          <a:xfrm>
+            <a:off x="3048" y="0"/>
+            <a:ext cx="12188952" cy="6858000"/>
+          </a:xfrm>
+          <a:prstGeom prst="rect">
+            <a:avLst/>
+          </a:prstGeom>
+          <a:ln>
+            <a:noFill/>
+          </a:ln>
+        </p:spPr>
+        <p:style>
+          <a:lnRef idx="2">
+            <a:schemeClr val="accent1">
+              <a:shade val="50000"/>
+            </a:schemeClr>
+          </a:lnRef>
+          <a:fillRef idx="1">
+            <a:schemeClr val="accent1"/>
+          </a:fillRef>
+          <a:effectRef idx="0">
+            <a:schemeClr val="accent1"/>
+          </a:effectRef>
+          <a:fontRef idx="minor">
+            <a:schemeClr val="lt1"/>
+          </a:fontRef>
+        </p:style>
+        <p:txBody>
+          <a:bodyPr rtlCol="0" anchor="ctr"/>
+          <a:lstStyle/>
+          <a:p>
+            <a:pPr algn="ctr"/>
+            <a:endParaRPr lang="en-US"/>
+          </a:p>
+        </p:txBody>
+      </p:sp>
+      <p:sp>
+        <p:nvSpPr>
+          <p:cNvPr id="10" name="Freeform: Shape 9">
+            <a:extLst>
+              <a:ext uri="{FF2B5EF4-FFF2-40B4-BE49-F238E27FC236}">
+                <a16:creationId xmlns:a16="http://schemas.microsoft.com/office/drawing/2014/main" id="{DAAE4CDD-124C-4DCF-9584-B6033B545DD5}"/>
+              </a:ext>
+              <a:ext uri="{C183D7F6-B498-43B3-948B-1728B52AA6E4}">
+                <adec:decorative xmlns:adec="http://schemas.microsoft.com/office/drawing/2017/decorative" val="1"/>
+              </a:ext>
+            </a:extLst>
+          </p:cNvPr>
+          <p:cNvSpPr>
+            <a:spLocks noGrp="1" noRot="1" noChangeAspect="1" noMove="1" noResize="1" noEditPoints="1" noAdjustHandles="1" noChangeArrowheads="1" noChangeShapeType="1" noTextEdit="1"/>
+          </p:cNvSpPr>
+          <p:nvPr>
+            <p:extLst>
+              <p:ext uri="{386F3935-93C4-4BCD-93E2-E3B085C9AB24}">
+                <p16:designElem xmlns:p16="http://schemas.microsoft.com/office/powerpoint/2015/main" val="1"/>
+              </p:ext>
+            </p:extLst>
+          </p:nvPr>
+        </p:nvSpPr>
+        <p:spPr>
+          <a:xfrm>
+            <a:off x="1" y="0"/>
+            <a:ext cx="4167271" cy="6858000"/>
+          </a:xfrm>
+          <a:custGeom>
+            <a:avLst/>
+            <a:gdLst>
+              <a:gd name="connsiteX0" fmla="*/ 0 w 4167271"/>
+              <a:gd name="connsiteY0" fmla="*/ 0 h 6858000"/>
+              <a:gd name="connsiteX1" fmla="*/ 2259550 w 4167271"/>
+              <a:gd name="connsiteY1" fmla="*/ 0 h 6858000"/>
+              <a:gd name="connsiteX2" fmla="*/ 2387803 w 4167271"/>
+              <a:gd name="connsiteY2" fmla="*/ 82222 h 6858000"/>
+              <a:gd name="connsiteX3" fmla="*/ 4167271 w 4167271"/>
+              <a:gd name="connsiteY3" fmla="*/ 3429000 h 6858000"/>
+              <a:gd name="connsiteX4" fmla="*/ 2387803 w 4167271"/>
+              <a:gd name="connsiteY4" fmla="*/ 6775779 h 6858000"/>
+              <a:gd name="connsiteX5" fmla="*/ 2259550 w 4167271"/>
+              <a:gd name="connsiteY5" fmla="*/ 6858000 h 6858000"/>
+              <a:gd name="connsiteX6" fmla="*/ 0 w 4167271"/>
+              <a:gd name="connsiteY6" fmla="*/ 6858000 h 6858000"/>
+            </a:gdLst>
+            <a:ahLst/>
+            <a:cxnLst>
+              <a:cxn ang="0">
+                <a:pos x="connsiteX0" y="connsiteY0"/>
+              </a:cxn>
+              <a:cxn ang="0">
+                <a:pos x="connsiteX1" y="connsiteY1"/>
+              </a:cxn>
+              <a:cxn ang="0">
+                <a:pos x="connsiteX2" y="connsiteY2"/>
+              </a:cxn>
+              <a:cxn ang="0">
+                <a:pos x="connsiteX3" y="connsiteY3"/>
+              </a:cxn>
+              <a:cxn ang="0">
+                <a:pos x="connsiteX4" y="connsiteY4"/>
+              </a:cxn>
+              <a:cxn ang="0">
+                <a:pos x="connsiteX5" y="connsiteY5"/>
+              </a:cxn>
+              <a:cxn ang="0">
+                <a:pos x="connsiteX6" y="connsiteY6"/>
+              </a:cxn>
+            </a:cxnLst>
+            <a:rect l="l" t="t" r="r" b="b"/>
+            <a:pathLst>
+              <a:path w="4167271" h="6858000">
+                <a:moveTo>
+                  <a:pt x="0" y="0"/>
+                </a:moveTo>
+                <a:lnTo>
+                  <a:pt x="2259550" y="0"/>
+                </a:lnTo>
+                <a:lnTo>
+                  <a:pt x="2387803" y="82222"/>
+                </a:lnTo>
+                <a:cubicBezTo>
+                  <a:pt x="3461407" y="807534"/>
+                  <a:pt x="4167271" y="2035835"/>
+                  <a:pt x="4167271" y="3429000"/>
+                </a:cubicBezTo>
+                <a:cubicBezTo>
+                  <a:pt x="4167271" y="4822165"/>
+                  <a:pt x="3461407" y="6050467"/>
+                  <a:pt x="2387803" y="6775779"/>
+                </a:cubicBezTo>
+                <a:lnTo>
+                  <a:pt x="2259550" y="6858000"/>
+                </a:lnTo>
+                <a:lnTo>
+                  <a:pt x="0" y="6858000"/>
+                </a:lnTo>
+                <a:close/>
+              </a:path>
+            </a:pathLst>
+          </a:custGeom>
+          <a:solidFill>
+            <a:schemeClr val="accent2"/>
+          </a:solidFill>
+          <a:ln>
+            <a:noFill/>
+          </a:ln>
+        </p:spPr>
+        <p:style>
+          <a:lnRef idx="2">
+            <a:schemeClr val="accent1">
+              <a:shade val="50000"/>
+            </a:schemeClr>
+          </a:lnRef>
+          <a:fillRef idx="1">
+            <a:schemeClr val="accent1"/>
+          </a:fillRef>
+          <a:effectRef idx="0">
+            <a:schemeClr val="accent1"/>
+          </a:effectRef>
+          <a:fontRef idx="minor">
+            <a:schemeClr val="lt1"/>
+          </a:fontRef>
+        </p:style>
+        <p:txBody>
+          <a:bodyPr rtlCol="0" anchor="ctr"/>
+          <a:lstStyle/>
+          <a:p>
+            <a:pPr algn="ctr"/>
+            <a:endParaRPr lang="en-US"/>
+          </a:p>
+        </p:txBody>
+      </p:sp>
       <p:sp>
         <p:nvSpPr>
           <p:cNvPr id="2" name="Titre 1">
@@ -4180,19 +5373,87 @@
             <p:ph type="title"/>
           </p:nvPr>
         </p:nvSpPr>
-        <p:spPr/>
-        <p:txBody>
-          <a:bodyPr/>
-          <a:lstStyle/>
-          <a:p>
-            <a:r>
-              <a:rPr lang="fr-FR" dirty="0" err="1"/>
-              <a:t>Technical</a:t>
-            </a:r>
-            <a:r>
-              <a:rPr lang="fr-FR" dirty="0"/>
-              <a:t> stack</a:t>
-            </a:r>
+        <p:spPr>
+          <a:xfrm>
+            <a:off x="686834" y="1153572"/>
+            <a:ext cx="3200400" cy="4461163"/>
+          </a:xfrm>
+        </p:spPr>
+        <p:txBody>
+          <a:bodyPr>
+            <a:normAutofit/>
+          </a:bodyPr>
+          <a:lstStyle/>
+          <a:p>
+            <a:r>
+              <a:rPr lang="fr-FR">
+                <a:solidFill>
+                  <a:srgbClr val="FFFFFF"/>
+                </a:solidFill>
+              </a:rPr>
+              <a:t>Technical stack</a:t>
+            </a:r>
+          </a:p>
+        </p:txBody>
+      </p:sp>
+      <p:sp>
+        <p:nvSpPr>
+          <p:cNvPr id="12" name="Arc 11">
+            <a:extLst>
+              <a:ext uri="{FF2B5EF4-FFF2-40B4-BE49-F238E27FC236}">
+                <a16:creationId xmlns:a16="http://schemas.microsoft.com/office/drawing/2014/main" id="{081E4A58-353D-44AE-B2FC-2A74E2E400F7}"/>
+              </a:ext>
+              <a:ext uri="{C183D7F6-B498-43B3-948B-1728B52AA6E4}">
+                <adec:decorative xmlns:adec="http://schemas.microsoft.com/office/drawing/2017/decorative" val="1"/>
+              </a:ext>
+            </a:extLst>
+          </p:cNvPr>
+          <p:cNvSpPr>
+            <a:spLocks noGrp="1" noRot="1" noChangeAspect="1" noMove="1" noResize="1" noEditPoints="1" noAdjustHandles="1" noChangeArrowheads="1" noChangeShapeType="1" noTextEdit="1"/>
+          </p:cNvSpPr>
+          <p:nvPr>
+            <p:extLst>
+              <p:ext uri="{386F3935-93C4-4BCD-93E2-E3B085C9AB24}">
+                <p16:designElem xmlns:p16="http://schemas.microsoft.com/office/powerpoint/2015/main" val="1"/>
+              </p:ext>
+            </p:extLst>
+          </p:nvPr>
+        </p:nvSpPr>
+        <p:spPr>
+          <a:xfrm flipV="1">
+            <a:off x="7550402" y="2455479"/>
+            <a:ext cx="4083433" cy="4083433"/>
+          </a:xfrm>
+          <a:prstGeom prst="arc">
+            <a:avLst/>
+          </a:prstGeom>
+          <a:ln w="127000" cap="rnd">
+            <a:solidFill>
+              <a:schemeClr val="accent4"/>
+            </a:solidFill>
+            <a:prstDash val="dash"/>
+          </a:ln>
+        </p:spPr>
+        <p:style>
+          <a:lnRef idx="1">
+            <a:schemeClr val="accent1"/>
+          </a:lnRef>
+          <a:fillRef idx="0">
+            <a:schemeClr val="accent1"/>
+          </a:fillRef>
+          <a:effectRef idx="0">
+            <a:schemeClr val="accent1"/>
+          </a:effectRef>
+          <a:fontRef idx="minor">
+            <a:schemeClr val="tx1"/>
+          </a:fontRef>
+        </p:style>
+        <p:txBody>
+          <a:bodyPr rtlCol="0" anchor="ctr"/>
+          <a:lstStyle/>
+          <a:p>
+            <a:pPr algn="ctr"/>
+            <a:endParaRPr lang="en-US" dirty="0"/>
           </a:p>
         </p:txBody>
       </p:sp>
@@ -4212,9 +5473,16 @@
             <p:ph idx="1"/>
           </p:nvPr>
         </p:nvSpPr>
-        <p:spPr/>
-        <p:txBody>
-          <a:bodyPr/>
+        <p:spPr>
+          <a:xfrm>
+            <a:off x="4447308" y="591344"/>
+            <a:ext cx="6906491" cy="5585619"/>
+          </a:xfrm>
+        </p:spPr>
+        <p:txBody>
+          <a:bodyPr anchor="ctr">
+            <a:normAutofit/>
+          </a:bodyPr>
           <a:lstStyle/>
           <a:p>
             <a:r>
